--- a/icons/openmv-icon/openmv.pptx
+++ b/icons/openmv-icon/openmv.pptx
@@ -305,7 +305,7 @@
             <a:fld id="{1D8BD707-D9CF-40AE-B4C6-C98DA3205C09}" type="datetimeFigureOut">
               <a:rPr lang="en-US" smtClean="0"/>
               <a:pPr/>
-              <a:t>4/21/2015</a:t>
+              <a:t>4/23/2015</a:t>
             </a:fld>
             <a:endParaRPr lang="en-US"/>
           </a:p>
@@ -472,7 +472,7 @@
             <a:fld id="{1D8BD707-D9CF-40AE-B4C6-C98DA3205C09}" type="datetimeFigureOut">
               <a:rPr lang="en-US" smtClean="0"/>
               <a:pPr/>
-              <a:t>4/21/2015</a:t>
+              <a:t>4/23/2015</a:t>
             </a:fld>
             <a:endParaRPr lang="en-US"/>
           </a:p>
@@ -649,7 +649,7 @@
             <a:fld id="{1D8BD707-D9CF-40AE-B4C6-C98DA3205C09}" type="datetimeFigureOut">
               <a:rPr lang="en-US" smtClean="0"/>
               <a:pPr/>
-              <a:t>4/21/2015</a:t>
+              <a:t>4/23/2015</a:t>
             </a:fld>
             <a:endParaRPr lang="en-US"/>
           </a:p>
@@ -816,7 +816,7 @@
             <a:fld id="{1D8BD707-D9CF-40AE-B4C6-C98DA3205C09}" type="datetimeFigureOut">
               <a:rPr lang="en-US" smtClean="0"/>
               <a:pPr/>
-              <a:t>4/21/2015</a:t>
+              <a:t>4/23/2015</a:t>
             </a:fld>
             <a:endParaRPr lang="en-US"/>
           </a:p>
@@ -1059,7 +1059,7 @@
             <a:fld id="{1D8BD707-D9CF-40AE-B4C6-C98DA3205C09}" type="datetimeFigureOut">
               <a:rPr lang="en-US" smtClean="0"/>
               <a:pPr/>
-              <a:t>4/21/2015</a:t>
+              <a:t>4/23/2015</a:t>
             </a:fld>
             <a:endParaRPr lang="en-US"/>
           </a:p>
@@ -1344,7 +1344,7 @@
             <a:fld id="{1D8BD707-D9CF-40AE-B4C6-C98DA3205C09}" type="datetimeFigureOut">
               <a:rPr lang="en-US" smtClean="0"/>
               <a:pPr/>
-              <a:t>4/21/2015</a:t>
+              <a:t>4/23/2015</a:t>
             </a:fld>
             <a:endParaRPr lang="en-US"/>
           </a:p>
@@ -1763,7 +1763,7 @@
             <a:fld id="{1D8BD707-D9CF-40AE-B4C6-C98DA3205C09}" type="datetimeFigureOut">
               <a:rPr lang="en-US" smtClean="0"/>
               <a:pPr/>
-              <a:t>4/21/2015</a:t>
+              <a:t>4/23/2015</a:t>
             </a:fld>
             <a:endParaRPr lang="en-US"/>
           </a:p>
@@ -1878,7 +1878,7 @@
             <a:fld id="{1D8BD707-D9CF-40AE-B4C6-C98DA3205C09}" type="datetimeFigureOut">
               <a:rPr lang="en-US" smtClean="0"/>
               <a:pPr/>
-              <a:t>4/21/2015</a:t>
+              <a:t>4/23/2015</a:t>
             </a:fld>
             <a:endParaRPr lang="en-US"/>
           </a:p>
@@ -1970,7 +1970,7 @@
             <a:fld id="{1D8BD707-D9CF-40AE-B4C6-C98DA3205C09}" type="datetimeFigureOut">
               <a:rPr lang="en-US" smtClean="0"/>
               <a:pPr/>
-              <a:t>4/21/2015</a:t>
+              <a:t>4/23/2015</a:t>
             </a:fld>
             <a:endParaRPr lang="en-US"/>
           </a:p>
@@ -2244,7 +2244,7 @@
             <a:fld id="{1D8BD707-D9CF-40AE-B4C6-C98DA3205C09}" type="datetimeFigureOut">
               <a:rPr lang="en-US" smtClean="0"/>
               <a:pPr/>
-              <a:t>4/21/2015</a:t>
+              <a:t>4/23/2015</a:t>
             </a:fld>
             <a:endParaRPr lang="en-US"/>
           </a:p>
@@ -2494,7 +2494,7 @@
             <a:fld id="{1D8BD707-D9CF-40AE-B4C6-C98DA3205C09}" type="datetimeFigureOut">
               <a:rPr lang="en-US" smtClean="0"/>
               <a:pPr/>
-              <a:t>4/21/2015</a:t>
+              <a:t>4/23/2015</a:t>
             </a:fld>
             <a:endParaRPr lang="en-US"/>
           </a:p>
@@ -2704,7 +2704,7 @@
             <a:fld id="{1D8BD707-D9CF-40AE-B4C6-C98DA3205C09}" type="datetimeFigureOut">
               <a:rPr lang="en-US" smtClean="0"/>
               <a:pPr/>
-              <a:t>4/21/2015</a:t>
+              <a:t>4/23/2015</a:t>
             </a:fld>
             <a:endParaRPr lang="en-US"/>
           </a:p>
@@ -3075,143 +3075,46 @@
           <a:chExt cx="0" cy="0"/>
         </a:xfrm>
       </p:grpSpPr>
-      <p:grpSp>
-        <p:nvGrpSpPr>
-          <p:cNvPr id="17" name="Group 16"/>
-          <p:cNvGrpSpPr/>
+      <p:pic>
+        <p:nvPicPr>
+          <p:cNvPr id="2" name="Picture 1"/>
+          <p:cNvPicPr>
+            <a:picLocks noChangeAspect="1"/>
+          </p:cNvPicPr>
           <p:nvPr/>
-        </p:nvGrpSpPr>
-        <p:grpSpPr>
+        </p:nvPicPr>
+        <p:blipFill>
+          <a:blip r:embed="rId2">
+            <a:extLst>
+              <a:ext uri="{28A0092B-C50C-407E-A947-70E740481C1C}">
+                <a14:useLocalDpi xmlns:a14="http://schemas.microsoft.com/office/drawing/2010/main" val="0"/>
+              </a:ext>
+            </a:extLst>
+          </a:blip>
+          <a:stretch>
+            <a:fillRect/>
+          </a:stretch>
+        </p:blipFill>
+        <p:spPr>
           <a:xfrm>
-            <a:off x="1371600" y="1371600"/>
-            <a:ext cx="6400800" cy="6400801"/>
-            <a:chOff x="1371600" y="1371600"/>
-            <a:chExt cx="6400800" cy="6400801"/>
+            <a:off x="0" y="0"/>
+            <a:ext cx="9144000" cy="9144000"/>
           </a:xfrm>
-          <a:scene3d>
-            <a:camera prst="perspectiveRight"/>
-            <a:lightRig rig="threePt" dir="t"/>
-          </a:scene3d>
-        </p:grpSpPr>
-        <p:sp>
-          <p:nvSpPr>
-            <p:cNvPr id="2" name="Oval 1"/>
-            <p:cNvSpPr/>
-            <p:nvPr/>
-          </p:nvSpPr>
-          <p:spPr>
-            <a:xfrm>
-              <a:off x="1371600" y="1371600"/>
-              <a:ext cx="6400800" cy="6400801"/>
-            </a:xfrm>
-            <a:prstGeom prst="ellipse">
-              <a:avLst/>
-            </a:prstGeom>
-            <a:gradFill>
-              <a:gsLst>
-                <a:gs pos="0">
-                  <a:schemeClr val="accent4">
-                    <a:lumMod val="50000"/>
-                  </a:schemeClr>
-                </a:gs>
-                <a:gs pos="80000">
-                  <a:schemeClr val="accent4">
-                    <a:lumMod val="75000"/>
-                  </a:schemeClr>
-                </a:gs>
-                <a:gs pos="100000">
-                  <a:schemeClr val="accent4">
-                    <a:lumMod val="75000"/>
-                  </a:schemeClr>
-                </a:gs>
-              </a:gsLst>
-            </a:gradFill>
-            <a:sp3d>
-              <a:bevelT w="63500" h="25400"/>
-            </a:sp3d>
-          </p:spPr>
-          <p:style>
-            <a:lnRef idx="0">
-              <a:schemeClr val="accent1"/>
-            </a:lnRef>
-            <a:fillRef idx="3">
-              <a:schemeClr val="accent1"/>
-            </a:fillRef>
-            <a:effectRef idx="3">
-              <a:schemeClr val="accent1"/>
-            </a:effectRef>
-            <a:fontRef idx="minor">
-              <a:schemeClr val="lt1"/>
-            </a:fontRef>
-          </p:style>
-          <p:txBody>
-            <a:bodyPr rtlCol="0" anchor="ctr"/>
-            <a:lstStyle/>
-            <a:p>
-              <a:pPr algn="ctr"/>
-              <a:endParaRPr lang="en-US" dirty="0">
-                <a:solidFill>
-                  <a:schemeClr val="tx1"/>
-                </a:solidFill>
-              </a:endParaRPr>
-            </a:p>
-          </p:txBody>
-        </p:sp>
-        <p:sp>
-          <p:nvSpPr>
-            <p:cNvPr id="15" name="Block Arc 14"/>
-            <p:cNvSpPr/>
-            <p:nvPr/>
-          </p:nvSpPr>
-          <p:spPr>
-            <a:xfrm>
-              <a:off x="2057400" y="2057400"/>
-              <a:ext cx="5029200" cy="5029200"/>
-            </a:xfrm>
-            <a:prstGeom prst="blockArc">
-              <a:avLst>
-                <a:gd name="adj1" fmla="val 6806768"/>
-                <a:gd name="adj2" fmla="val 4014810"/>
-                <a:gd name="adj3" fmla="val 24981"/>
-              </a:avLst>
-            </a:prstGeom>
-            <a:solidFill>
-              <a:schemeClr val="bg1"/>
-            </a:solidFill>
-            <a:ln>
-              <a:noFill/>
-            </a:ln>
-          </p:spPr>
-          <p:style>
-            <a:lnRef idx="2">
-              <a:schemeClr val="accent1">
-                <a:shade val="50000"/>
-              </a:schemeClr>
-            </a:lnRef>
-            <a:fillRef idx="1">
-              <a:schemeClr val="accent1"/>
-            </a:fillRef>
-            <a:effectRef idx="0">
-              <a:schemeClr val="accent1"/>
-            </a:effectRef>
-            <a:fontRef idx="minor">
-              <a:schemeClr val="lt1"/>
-            </a:fontRef>
-          </p:style>
-          <p:txBody>
-            <a:bodyPr rtlCol="0" anchor="ctr"/>
-            <a:lstStyle/>
-            <a:p>
-              <a:pPr algn="ctr"/>
-              <a:endParaRPr lang="en-US">
-                <a:solidFill>
-                  <a:schemeClr val="tx1"/>
-                </a:solidFill>
-              </a:endParaRPr>
-            </a:p>
-          </p:txBody>
-        </p:sp>
-      </p:grpSp>
+          <a:prstGeom prst="rect">
+            <a:avLst/>
+          </a:prstGeom>
+          <a:ln>
+            <a:noFill/>
+          </a:ln>
+          <a:effectLst>
+            <a:outerShdw blurRad="292100" dist="139700" dir="2700000" algn="tl" rotWithShape="0">
+              <a:srgbClr val="333333">
+                <a:alpha val="65000"/>
+              </a:srgbClr>
+            </a:outerShdw>
+          </a:effectLst>
+        </p:spPr>
+      </p:pic>
     </p:spTree>
     <p:extLst>
       <p:ext uri="{BB962C8B-B14F-4D97-AF65-F5344CB8AC3E}">

--- a/icons/openmv-icon/openmv.pptx
+++ b/icons/openmv-icon/openmv.pptx
@@ -3077,7 +3077,7 @@
       </p:grpSpPr>
       <p:pic>
         <p:nvPicPr>
-          <p:cNvPr id="2" name="Picture 1"/>
+          <p:cNvPr id="3" name="Picture 2"/>
           <p:cNvPicPr>
             <a:picLocks noChangeAspect="1"/>
           </p:cNvPicPr>

--- a/icons/openmv-icon/openmv.pptx
+++ b/icons/openmv-icon/openmv.pptx
@@ -305,7 +305,7 @@
             <a:fld id="{1D8BD707-D9CF-40AE-B4C6-C98DA3205C09}" type="datetimeFigureOut">
               <a:rPr lang="en-US" smtClean="0"/>
               <a:pPr/>
-              <a:t>4/23/2015</a:t>
+              <a:t>5/14/2015</a:t>
             </a:fld>
             <a:endParaRPr lang="en-US"/>
           </a:p>
@@ -472,7 +472,7 @@
             <a:fld id="{1D8BD707-D9CF-40AE-B4C6-C98DA3205C09}" type="datetimeFigureOut">
               <a:rPr lang="en-US" smtClean="0"/>
               <a:pPr/>
-              <a:t>4/23/2015</a:t>
+              <a:t>5/14/2015</a:t>
             </a:fld>
             <a:endParaRPr lang="en-US"/>
           </a:p>
@@ -649,7 +649,7 @@
             <a:fld id="{1D8BD707-D9CF-40AE-B4C6-C98DA3205C09}" type="datetimeFigureOut">
               <a:rPr lang="en-US" smtClean="0"/>
               <a:pPr/>
-              <a:t>4/23/2015</a:t>
+              <a:t>5/14/2015</a:t>
             </a:fld>
             <a:endParaRPr lang="en-US"/>
           </a:p>
@@ -816,7 +816,7 @@
             <a:fld id="{1D8BD707-D9CF-40AE-B4C6-C98DA3205C09}" type="datetimeFigureOut">
               <a:rPr lang="en-US" smtClean="0"/>
               <a:pPr/>
-              <a:t>4/23/2015</a:t>
+              <a:t>5/14/2015</a:t>
             </a:fld>
             <a:endParaRPr lang="en-US"/>
           </a:p>
@@ -1059,7 +1059,7 @@
             <a:fld id="{1D8BD707-D9CF-40AE-B4C6-C98DA3205C09}" type="datetimeFigureOut">
               <a:rPr lang="en-US" smtClean="0"/>
               <a:pPr/>
-              <a:t>4/23/2015</a:t>
+              <a:t>5/14/2015</a:t>
             </a:fld>
             <a:endParaRPr lang="en-US"/>
           </a:p>
@@ -1344,7 +1344,7 @@
             <a:fld id="{1D8BD707-D9CF-40AE-B4C6-C98DA3205C09}" type="datetimeFigureOut">
               <a:rPr lang="en-US" smtClean="0"/>
               <a:pPr/>
-              <a:t>4/23/2015</a:t>
+              <a:t>5/14/2015</a:t>
             </a:fld>
             <a:endParaRPr lang="en-US"/>
           </a:p>
@@ -1763,7 +1763,7 @@
             <a:fld id="{1D8BD707-D9CF-40AE-B4C6-C98DA3205C09}" type="datetimeFigureOut">
               <a:rPr lang="en-US" smtClean="0"/>
               <a:pPr/>
-              <a:t>4/23/2015</a:t>
+              <a:t>5/14/2015</a:t>
             </a:fld>
             <a:endParaRPr lang="en-US"/>
           </a:p>
@@ -1878,7 +1878,7 @@
             <a:fld id="{1D8BD707-D9CF-40AE-B4C6-C98DA3205C09}" type="datetimeFigureOut">
               <a:rPr lang="en-US" smtClean="0"/>
               <a:pPr/>
-              <a:t>4/23/2015</a:t>
+              <a:t>5/14/2015</a:t>
             </a:fld>
             <a:endParaRPr lang="en-US"/>
           </a:p>
@@ -1970,7 +1970,7 @@
             <a:fld id="{1D8BD707-D9CF-40AE-B4C6-C98DA3205C09}" type="datetimeFigureOut">
               <a:rPr lang="en-US" smtClean="0"/>
               <a:pPr/>
-              <a:t>4/23/2015</a:t>
+              <a:t>5/14/2015</a:t>
             </a:fld>
             <a:endParaRPr lang="en-US"/>
           </a:p>
@@ -2244,7 +2244,7 @@
             <a:fld id="{1D8BD707-D9CF-40AE-B4C6-C98DA3205C09}" type="datetimeFigureOut">
               <a:rPr lang="en-US" smtClean="0"/>
               <a:pPr/>
-              <a:t>4/23/2015</a:t>
+              <a:t>5/14/2015</a:t>
             </a:fld>
             <a:endParaRPr lang="en-US"/>
           </a:p>
@@ -2494,7 +2494,7 @@
             <a:fld id="{1D8BD707-D9CF-40AE-B4C6-C98DA3205C09}" type="datetimeFigureOut">
               <a:rPr lang="en-US" smtClean="0"/>
               <a:pPr/>
-              <a:t>4/23/2015</a:t>
+              <a:t>5/14/2015</a:t>
             </a:fld>
             <a:endParaRPr lang="en-US"/>
           </a:p>
@@ -2704,7 +2704,7 @@
             <a:fld id="{1D8BD707-D9CF-40AE-B4C6-C98DA3205C09}" type="datetimeFigureOut">
               <a:rPr lang="en-US" smtClean="0"/>
               <a:pPr/>
-              <a:t>4/23/2015</a:t>
+              <a:t>5/14/2015</a:t>
             </a:fld>
             <a:endParaRPr lang="en-US"/>
           </a:p>
@@ -3106,13 +3106,7 @@
           <a:ln>
             <a:noFill/>
           </a:ln>
-          <a:effectLst>
-            <a:outerShdw blurRad="292100" dist="139700" dir="2700000" algn="tl" rotWithShape="0">
-              <a:srgbClr val="333333">
-                <a:alpha val="65000"/>
-              </a:srgbClr>
-            </a:outerShdw>
-          </a:effectLst>
+          <a:effectLst/>
         </p:spPr>
       </p:pic>
     </p:spTree>

--- a/icons/openmv-icon/openmv.pptx
+++ b/icons/openmv-icon/openmv.pptx
@@ -305,7 +305,7 @@
             <a:fld id="{1D8BD707-D9CF-40AE-B4C6-C98DA3205C09}" type="datetimeFigureOut">
               <a:rPr lang="en-US" smtClean="0"/>
               <a:pPr/>
-              <a:t>5/14/2015</a:t>
+              <a:t>6/21/2015</a:t>
             </a:fld>
             <a:endParaRPr lang="en-US"/>
           </a:p>
@@ -472,7 +472,7 @@
             <a:fld id="{1D8BD707-D9CF-40AE-B4C6-C98DA3205C09}" type="datetimeFigureOut">
               <a:rPr lang="en-US" smtClean="0"/>
               <a:pPr/>
-              <a:t>5/14/2015</a:t>
+              <a:t>6/21/2015</a:t>
             </a:fld>
             <a:endParaRPr lang="en-US"/>
           </a:p>
@@ -649,7 +649,7 @@
             <a:fld id="{1D8BD707-D9CF-40AE-B4C6-C98DA3205C09}" type="datetimeFigureOut">
               <a:rPr lang="en-US" smtClean="0"/>
               <a:pPr/>
-              <a:t>5/14/2015</a:t>
+              <a:t>6/21/2015</a:t>
             </a:fld>
             <a:endParaRPr lang="en-US"/>
           </a:p>
@@ -816,7 +816,7 @@
             <a:fld id="{1D8BD707-D9CF-40AE-B4C6-C98DA3205C09}" type="datetimeFigureOut">
               <a:rPr lang="en-US" smtClean="0"/>
               <a:pPr/>
-              <a:t>5/14/2015</a:t>
+              <a:t>6/21/2015</a:t>
             </a:fld>
             <a:endParaRPr lang="en-US"/>
           </a:p>
@@ -1059,7 +1059,7 @@
             <a:fld id="{1D8BD707-D9CF-40AE-B4C6-C98DA3205C09}" type="datetimeFigureOut">
               <a:rPr lang="en-US" smtClean="0"/>
               <a:pPr/>
-              <a:t>5/14/2015</a:t>
+              <a:t>6/21/2015</a:t>
             </a:fld>
             <a:endParaRPr lang="en-US"/>
           </a:p>
@@ -1344,7 +1344,7 @@
             <a:fld id="{1D8BD707-D9CF-40AE-B4C6-C98DA3205C09}" type="datetimeFigureOut">
               <a:rPr lang="en-US" smtClean="0"/>
               <a:pPr/>
-              <a:t>5/14/2015</a:t>
+              <a:t>6/21/2015</a:t>
             </a:fld>
             <a:endParaRPr lang="en-US"/>
           </a:p>
@@ -1763,7 +1763,7 @@
             <a:fld id="{1D8BD707-D9CF-40AE-B4C6-C98DA3205C09}" type="datetimeFigureOut">
               <a:rPr lang="en-US" smtClean="0"/>
               <a:pPr/>
-              <a:t>5/14/2015</a:t>
+              <a:t>6/21/2015</a:t>
             </a:fld>
             <a:endParaRPr lang="en-US"/>
           </a:p>
@@ -1878,7 +1878,7 @@
             <a:fld id="{1D8BD707-D9CF-40AE-B4C6-C98DA3205C09}" type="datetimeFigureOut">
               <a:rPr lang="en-US" smtClean="0"/>
               <a:pPr/>
-              <a:t>5/14/2015</a:t>
+              <a:t>6/21/2015</a:t>
             </a:fld>
             <a:endParaRPr lang="en-US"/>
           </a:p>
@@ -1970,7 +1970,7 @@
             <a:fld id="{1D8BD707-D9CF-40AE-B4C6-C98DA3205C09}" type="datetimeFigureOut">
               <a:rPr lang="en-US" smtClean="0"/>
               <a:pPr/>
-              <a:t>5/14/2015</a:t>
+              <a:t>6/21/2015</a:t>
             </a:fld>
             <a:endParaRPr lang="en-US"/>
           </a:p>
@@ -2244,7 +2244,7 @@
             <a:fld id="{1D8BD707-D9CF-40AE-B4C6-C98DA3205C09}" type="datetimeFigureOut">
               <a:rPr lang="en-US" smtClean="0"/>
               <a:pPr/>
-              <a:t>5/14/2015</a:t>
+              <a:t>6/21/2015</a:t>
             </a:fld>
             <a:endParaRPr lang="en-US"/>
           </a:p>
@@ -2494,7 +2494,7 @@
             <a:fld id="{1D8BD707-D9CF-40AE-B4C6-C98DA3205C09}" type="datetimeFigureOut">
               <a:rPr lang="en-US" smtClean="0"/>
               <a:pPr/>
-              <a:t>5/14/2015</a:t>
+              <a:t>6/21/2015</a:t>
             </a:fld>
             <a:endParaRPr lang="en-US"/>
           </a:p>
@@ -2704,7 +2704,7 @@
             <a:fld id="{1D8BD707-D9CF-40AE-B4C6-C98DA3205C09}" type="datetimeFigureOut">
               <a:rPr lang="en-US" smtClean="0"/>
               <a:pPr/>
-              <a:t>5/14/2015</a:t>
+              <a:t>6/21/2015</a:t>
             </a:fld>
             <a:endParaRPr lang="en-US"/>
           </a:p>
